--- a/毛豆网分享.pptx
+++ b/毛豆网分享.pptx
@@ -4150,7 +4150,7 @@
         <p:spPr/>
         <p:txBody>
           <a:bodyPr>
-            <a:normAutofit fontScale="85000" lnSpcReduction="20000"/>
+            <a:normAutofit/>
           </a:bodyPr>
           <a:lstStyle/>
           <a:p>
@@ -4195,9 +4195,6 @@
             <a:endParaRPr lang="en-US" altLang="zh-CN" b="1" dirty="0" smtClean="0"/>
           </a:p>
           <a:p>
-            <a:endParaRPr lang="en-US" altLang="zh-CN" b="1" dirty="0" smtClean="0"/>
-          </a:p>
-          <a:p>
             <a:pPr>
               <a:buNone/>
             </a:pPr>
@@ -4236,74 +4233,11 @@
             </a:r>
             <a:r>
               <a:rPr lang="en-US" altLang="zh-CN" dirty="0" smtClean="0"/>
-              <a:t>(data, {type: 'image/jpeg'});</a:t>
-            </a:r>
-          </a:p>
-          <a:p>
-            <a:pPr>
-              <a:buNone/>
-            </a:pPr>
-            <a:r>
-              <a:rPr lang="en-US" altLang="zh-CN" dirty="0" smtClean="0"/>
-              <a:t>//</a:t>
-            </a:r>
-            <a:r>
-              <a:rPr lang="en-US" altLang="zh-CN" dirty="0" err="1" smtClean="0"/>
-              <a:t>newFile.metadata</a:t>
-            </a:r>
-            <a:r>
-              <a:rPr lang="en-US" altLang="zh-CN" dirty="0" smtClean="0"/>
-              <a:t> = {</a:t>
-            </a:r>
-            <a:r>
-              <a:rPr lang="en-US" altLang="zh-CN" dirty="0" err="1" smtClean="0"/>
-              <a:t>userId</a:t>
-            </a:r>
-            <a:r>
-              <a:rPr lang="en-US" altLang="zh-CN" dirty="0" smtClean="0"/>
-              <a:t>: </a:t>
-            </a:r>
-            <a:r>
-              <a:rPr lang="en-US" altLang="zh-CN" dirty="0" err="1" smtClean="0"/>
-              <a:t>Meteor.userId</a:t>
-            </a:r>
-            <a:r>
-              <a:rPr lang="en-US" altLang="zh-CN" dirty="0" smtClean="0"/>
-              <a:t>()};</a:t>
-            </a:r>
-          </a:p>
-          <a:p>
-            <a:pPr>
-              <a:buNone/>
-            </a:pPr>
-            <a:r>
-              <a:rPr lang="en-US" altLang="zh-CN" dirty="0" smtClean="0"/>
-              <a:t>//</a:t>
-            </a:r>
-            <a:r>
-              <a:rPr lang="en-US" altLang="zh-CN" dirty="0" err="1" smtClean="0"/>
-              <a:t>var</a:t>
-            </a:r>
-            <a:r>
-              <a:rPr lang="en-US" altLang="zh-CN" dirty="0" smtClean="0"/>
-              <a:t> now = moment(new Date()).format('YYYY-MM-DD-HH-mm-</a:t>
-            </a:r>
-            <a:r>
-              <a:rPr lang="en-US" altLang="zh-CN" dirty="0" err="1" smtClean="0"/>
-              <a:t>ss'</a:t>
-            </a:r>
-            <a:r>
-              <a:rPr lang="en-US" altLang="zh-CN" dirty="0" smtClean="0"/>
-              <a:t>);</a:t>
-            </a:r>
-          </a:p>
-          <a:p>
-            <a:pPr>
-              <a:buNone/>
-            </a:pPr>
-            <a:r>
-              <a:rPr lang="en-US" altLang="zh-CN" dirty="0" smtClean="0"/>
-              <a:t>//newFile.name(now + ".jpg");</a:t>
+              <a:t>(data, {type: 'image/jpeg</a:t>
+            </a:r>
+            <a:r>
+              <a:rPr lang="en-US" altLang="zh-CN" dirty="0" smtClean="0"/>
+              <a:t>'});</a:t>
             </a:r>
             <a:endParaRPr lang="zh-CN" altLang="en-US" dirty="0"/>
           </a:p>
@@ -4503,11 +4437,7 @@
             </a:r>
             <a:r>
               <a:rPr lang="en-US" altLang="zh-CN" dirty="0" smtClean="0"/>
-              <a:t>(file</a:t>
-            </a:r>
-            <a:r>
-              <a:rPr lang="en-US" altLang="zh-CN" dirty="0" smtClean="0"/>
-              <a:t>);</a:t>
+              <a:t>(file);</a:t>
             </a:r>
           </a:p>
           <a:p>

--- a/毛豆网分享.pptx
+++ b/毛豆网分享.pptx
@@ -295,7 +295,7 @@
             <a:fld id="{530820CF-B880-4189-942D-D702A7CBA730}" type="datetimeFigureOut">
               <a:rPr lang="zh-CN" altLang="en-US" smtClean="0"/>
               <a:pPr/>
-              <a:t>2015/5/26</a:t>
+              <a:t>2015/5/27</a:t>
             </a:fld>
             <a:endParaRPr lang="zh-CN" altLang="en-US"/>
           </a:p>
@@ -462,7 +462,7 @@
             <a:fld id="{530820CF-B880-4189-942D-D702A7CBA730}" type="datetimeFigureOut">
               <a:rPr lang="zh-CN" altLang="en-US" smtClean="0"/>
               <a:pPr/>
-              <a:t>2015/5/26</a:t>
+              <a:t>2015/5/27</a:t>
             </a:fld>
             <a:endParaRPr lang="zh-CN" altLang="en-US"/>
           </a:p>
@@ -639,7 +639,7 @@
             <a:fld id="{530820CF-B880-4189-942D-D702A7CBA730}" type="datetimeFigureOut">
               <a:rPr lang="zh-CN" altLang="en-US" smtClean="0"/>
               <a:pPr/>
-              <a:t>2015/5/26</a:t>
+              <a:t>2015/5/27</a:t>
             </a:fld>
             <a:endParaRPr lang="zh-CN" altLang="en-US"/>
           </a:p>
@@ -806,7 +806,7 @@
             <a:fld id="{530820CF-B880-4189-942D-D702A7CBA730}" type="datetimeFigureOut">
               <a:rPr lang="zh-CN" altLang="en-US" smtClean="0"/>
               <a:pPr/>
-              <a:t>2015/5/26</a:t>
+              <a:t>2015/5/27</a:t>
             </a:fld>
             <a:endParaRPr lang="zh-CN" altLang="en-US"/>
           </a:p>
@@ -1049,7 +1049,7 @@
             <a:fld id="{530820CF-B880-4189-942D-D702A7CBA730}" type="datetimeFigureOut">
               <a:rPr lang="zh-CN" altLang="en-US" smtClean="0"/>
               <a:pPr/>
-              <a:t>2015/5/26</a:t>
+              <a:t>2015/5/27</a:t>
             </a:fld>
             <a:endParaRPr lang="zh-CN" altLang="en-US"/>
           </a:p>
@@ -1334,7 +1334,7 @@
             <a:fld id="{530820CF-B880-4189-942D-D702A7CBA730}" type="datetimeFigureOut">
               <a:rPr lang="zh-CN" altLang="en-US" smtClean="0"/>
               <a:pPr/>
-              <a:t>2015/5/26</a:t>
+              <a:t>2015/5/27</a:t>
             </a:fld>
             <a:endParaRPr lang="zh-CN" altLang="en-US"/>
           </a:p>
@@ -1753,7 +1753,7 @@
             <a:fld id="{530820CF-B880-4189-942D-D702A7CBA730}" type="datetimeFigureOut">
               <a:rPr lang="zh-CN" altLang="en-US" smtClean="0"/>
               <a:pPr/>
-              <a:t>2015/5/26</a:t>
+              <a:t>2015/5/27</a:t>
             </a:fld>
             <a:endParaRPr lang="zh-CN" altLang="en-US"/>
           </a:p>
@@ -1868,7 +1868,7 @@
             <a:fld id="{530820CF-B880-4189-942D-D702A7CBA730}" type="datetimeFigureOut">
               <a:rPr lang="zh-CN" altLang="en-US" smtClean="0"/>
               <a:pPr/>
-              <a:t>2015/5/26</a:t>
+              <a:t>2015/5/27</a:t>
             </a:fld>
             <a:endParaRPr lang="zh-CN" altLang="en-US"/>
           </a:p>
@@ -1960,7 +1960,7 @@
             <a:fld id="{530820CF-B880-4189-942D-D702A7CBA730}" type="datetimeFigureOut">
               <a:rPr lang="zh-CN" altLang="en-US" smtClean="0"/>
               <a:pPr/>
-              <a:t>2015/5/26</a:t>
+              <a:t>2015/5/27</a:t>
             </a:fld>
             <a:endParaRPr lang="zh-CN" altLang="en-US"/>
           </a:p>
@@ -2234,7 +2234,7 @@
             <a:fld id="{530820CF-B880-4189-942D-D702A7CBA730}" type="datetimeFigureOut">
               <a:rPr lang="zh-CN" altLang="en-US" smtClean="0"/>
               <a:pPr/>
-              <a:t>2015/5/26</a:t>
+              <a:t>2015/5/27</a:t>
             </a:fld>
             <a:endParaRPr lang="zh-CN" altLang="en-US"/>
           </a:p>
@@ -2484,7 +2484,7 @@
             <a:fld id="{530820CF-B880-4189-942D-D702A7CBA730}" type="datetimeFigureOut">
               <a:rPr lang="zh-CN" altLang="en-US" smtClean="0"/>
               <a:pPr/>
-              <a:t>2015/5/26</a:t>
+              <a:t>2015/5/27</a:t>
             </a:fld>
             <a:endParaRPr lang="zh-CN" altLang="en-US"/>
           </a:p>
@@ -2694,7 +2694,7 @@
             <a:fld id="{530820CF-B880-4189-942D-D702A7CBA730}" type="datetimeFigureOut">
               <a:rPr lang="zh-CN" altLang="en-US" smtClean="0"/>
               <a:pPr/>
-              <a:t>2015/5/26</a:t>
+              <a:t>2015/5/27</a:t>
             </a:fld>
             <a:endParaRPr lang="zh-CN" altLang="en-US"/>
           </a:p>
@@ -3206,7 +3206,7 @@
         <p:spPr/>
         <p:txBody>
           <a:bodyPr>
-            <a:normAutofit fontScale="92500" lnSpcReduction="10000"/>
+            <a:normAutofit fontScale="85000" lnSpcReduction="10000"/>
           </a:bodyPr>
           <a:lstStyle/>
           <a:p>
@@ -3336,6 +3336,26 @@
             <a:r>
               <a:rPr lang="zh-CN" altLang="en-US" dirty="0" smtClean="0"/>
               <a:t>）</a:t>
+            </a:r>
+            <a:r>
+              <a:rPr lang="en-US" altLang="zh-CN" dirty="0" smtClean="0"/>
+              <a:t>,</a:t>
+            </a:r>
+            <a:r>
+              <a:rPr lang="zh-CN" altLang="en-US" dirty="0" smtClean="0"/>
+              <a:t>同时需要安装</a:t>
+            </a:r>
+            <a:r>
+              <a:rPr lang="zh-CN" altLang="en-US" dirty="0" smtClean="0"/>
+              <a:t>图像处理工具：</a:t>
+            </a:r>
+            <a:r>
+              <a:rPr lang="en-US" altLang="zh-CN" dirty="0" smtClean="0"/>
+              <a:t>GraphicsMagickhttp</a:t>
+            </a:r>
+            <a:r>
+              <a:rPr lang="en-US" altLang="zh-CN" dirty="0" smtClean="0"/>
+              <a:t>://www.graphicsmagick.org/)</a:t>
             </a:r>
             <a:endParaRPr lang="en-US" altLang="zh-CN" dirty="0" smtClean="0"/>
           </a:p>
@@ -3454,10 +3474,9 @@
               <a:t>您的密钥</a:t>
             </a:r>
             <a:r>
-              <a:rPr lang="en-US" altLang="zh-CN" smtClean="0"/>
+              <a:rPr lang="en-US" altLang="zh-CN" dirty="0" smtClean="0"/>
               <a:t>"&gt;&lt;/script&gt;</a:t>
             </a:r>
-            <a:endParaRPr lang="en-US" altLang="zh-CN" dirty="0" smtClean="0"/>
           </a:p>
           <a:p>
             <a:r>
@@ -4233,11 +4252,7 @@
             </a:r>
             <a:r>
               <a:rPr lang="en-US" altLang="zh-CN" dirty="0" smtClean="0"/>
-              <a:t>(data, {type: 'image/jpeg</a:t>
-            </a:r>
-            <a:r>
-              <a:rPr lang="en-US" altLang="zh-CN" dirty="0" smtClean="0"/>
-              <a:t>'});</a:t>
+              <a:t>(data, {type: 'image/jpeg'});</a:t>
             </a:r>
             <a:endParaRPr lang="zh-CN" altLang="en-US" dirty="0"/>
           </a:p>
